--- a/Chap/Start/Presentations/ProgrammingProcess.pptx
+++ b/Chap/Start/Presentations/ProgrammingProcess.pptx
@@ -259,7 +259,7 @@
           <a:p>
             <a:fld id="{E15B7D8E-2A20-4C0E-991C-872DBB7459A8}" type="datetimeFigureOut">
               <a:rPr lang="da-DK" smtClean="0"/>
-              <a:t>12-08-2022</a:t>
+              <a:t>20-08-2023</a:t>
             </a:fld>
             <a:endParaRPr lang="da-DK"/>
           </a:p>
@@ -427,7 +427,7 @@
           <a:p>
             <a:fld id="{E15B7D8E-2A20-4C0E-991C-872DBB7459A8}" type="datetimeFigureOut">
               <a:rPr lang="da-DK" smtClean="0"/>
-              <a:t>12-08-2022</a:t>
+              <a:t>20-08-2023</a:t>
             </a:fld>
             <a:endParaRPr lang="da-DK"/>
           </a:p>
@@ -605,7 +605,7 @@
           <a:p>
             <a:fld id="{E15B7D8E-2A20-4C0E-991C-872DBB7459A8}" type="datetimeFigureOut">
               <a:rPr lang="da-DK" smtClean="0"/>
-              <a:t>12-08-2022</a:t>
+              <a:t>20-08-2023</a:t>
             </a:fld>
             <a:endParaRPr lang="da-DK"/>
           </a:p>
@@ -773,7 +773,7 @@
           <a:p>
             <a:fld id="{E15B7D8E-2A20-4C0E-991C-872DBB7459A8}" type="datetimeFigureOut">
               <a:rPr lang="da-DK" smtClean="0"/>
-              <a:t>12-08-2022</a:t>
+              <a:t>20-08-2023</a:t>
             </a:fld>
             <a:endParaRPr lang="da-DK"/>
           </a:p>
@@ -1018,7 +1018,7 @@
           <a:p>
             <a:fld id="{E15B7D8E-2A20-4C0E-991C-872DBB7459A8}" type="datetimeFigureOut">
               <a:rPr lang="da-DK" smtClean="0"/>
-              <a:t>12-08-2022</a:t>
+              <a:t>20-08-2023</a:t>
             </a:fld>
             <a:endParaRPr lang="da-DK"/>
           </a:p>
@@ -1247,7 +1247,7 @@
           <a:p>
             <a:fld id="{E15B7D8E-2A20-4C0E-991C-872DBB7459A8}" type="datetimeFigureOut">
               <a:rPr lang="da-DK" smtClean="0"/>
-              <a:t>12-08-2022</a:t>
+              <a:t>20-08-2023</a:t>
             </a:fld>
             <a:endParaRPr lang="da-DK"/>
           </a:p>
@@ -1611,7 +1611,7 @@
           <a:p>
             <a:fld id="{E15B7D8E-2A20-4C0E-991C-872DBB7459A8}" type="datetimeFigureOut">
               <a:rPr lang="da-DK" smtClean="0"/>
-              <a:t>12-08-2022</a:t>
+              <a:t>20-08-2023</a:t>
             </a:fld>
             <a:endParaRPr lang="da-DK"/>
           </a:p>
@@ -1728,7 +1728,7 @@
           <a:p>
             <a:fld id="{E15B7D8E-2A20-4C0E-991C-872DBB7459A8}" type="datetimeFigureOut">
               <a:rPr lang="da-DK" smtClean="0"/>
-              <a:t>12-08-2022</a:t>
+              <a:t>20-08-2023</a:t>
             </a:fld>
             <a:endParaRPr lang="da-DK"/>
           </a:p>
@@ -1823,7 +1823,7 @@
           <a:p>
             <a:fld id="{E15B7D8E-2A20-4C0E-991C-872DBB7459A8}" type="datetimeFigureOut">
               <a:rPr lang="da-DK" smtClean="0"/>
-              <a:t>12-08-2022</a:t>
+              <a:t>20-08-2023</a:t>
             </a:fld>
             <a:endParaRPr lang="da-DK"/>
           </a:p>
@@ -2098,7 +2098,7 @@
           <a:p>
             <a:fld id="{E15B7D8E-2A20-4C0E-991C-872DBB7459A8}" type="datetimeFigureOut">
               <a:rPr lang="da-DK" smtClean="0"/>
-              <a:t>12-08-2022</a:t>
+              <a:t>20-08-2023</a:t>
             </a:fld>
             <a:endParaRPr lang="da-DK"/>
           </a:p>
@@ -2350,7 +2350,7 @@
           <a:p>
             <a:fld id="{E15B7D8E-2A20-4C0E-991C-872DBB7459A8}" type="datetimeFigureOut">
               <a:rPr lang="da-DK" smtClean="0"/>
-              <a:t>12-08-2022</a:t>
+              <a:t>20-08-2023</a:t>
             </a:fld>
             <a:endParaRPr lang="da-DK"/>
           </a:p>
@@ -2561,7 +2561,7 @@
           <a:p>
             <a:fld id="{E15B7D8E-2A20-4C0E-991C-872DBB7459A8}" type="datetimeFigureOut">
               <a:rPr lang="da-DK" smtClean="0"/>
-              <a:t>12-08-2022</a:t>
+              <a:t>20-08-2023</a:t>
             </a:fld>
             <a:endParaRPr lang="da-DK"/>
           </a:p>
@@ -6806,9 +6806,10 @@
           <a:p>
             <a:pPr algn="ctr" eaLnBrk="1" hangingPunct="1"/>
             <a:r>
-              <a:rPr lang="da-DK" altLang="da-DK" sz="2800" i="1" dirty="0"/>
-              <a:t>Idea</a:t>
-            </a:r>
+              <a:rPr lang="da-DK" altLang="da-DK" sz="2800" i="1"/>
+              <a:t>Idea…</a:t>
+            </a:r>
+            <a:endParaRPr lang="da-DK" altLang="da-DK" sz="2800" i="1" dirty="0"/>
           </a:p>
         </p:txBody>
       </p:sp>

--- a/Chap/Start/Presentations/ProgrammingProcess.pptx
+++ b/Chap/Start/Presentations/ProgrammingProcess.pptx
@@ -259,7 +259,7 @@
           <a:p>
             <a:fld id="{E15B7D8E-2A20-4C0E-991C-872DBB7459A8}" type="datetimeFigureOut">
               <a:rPr lang="da-DK" smtClean="0"/>
-              <a:t>20-08-2023</a:t>
+              <a:t>23-08-2024</a:t>
             </a:fld>
             <a:endParaRPr lang="da-DK"/>
           </a:p>
@@ -427,7 +427,7 @@
           <a:p>
             <a:fld id="{E15B7D8E-2A20-4C0E-991C-872DBB7459A8}" type="datetimeFigureOut">
               <a:rPr lang="da-DK" smtClean="0"/>
-              <a:t>20-08-2023</a:t>
+              <a:t>23-08-2024</a:t>
             </a:fld>
             <a:endParaRPr lang="da-DK"/>
           </a:p>
@@ -605,7 +605,7 @@
           <a:p>
             <a:fld id="{E15B7D8E-2A20-4C0E-991C-872DBB7459A8}" type="datetimeFigureOut">
               <a:rPr lang="da-DK" smtClean="0"/>
-              <a:t>20-08-2023</a:t>
+              <a:t>23-08-2024</a:t>
             </a:fld>
             <a:endParaRPr lang="da-DK"/>
           </a:p>
@@ -773,7 +773,7 @@
           <a:p>
             <a:fld id="{E15B7D8E-2A20-4C0E-991C-872DBB7459A8}" type="datetimeFigureOut">
               <a:rPr lang="da-DK" smtClean="0"/>
-              <a:t>20-08-2023</a:t>
+              <a:t>23-08-2024</a:t>
             </a:fld>
             <a:endParaRPr lang="da-DK"/>
           </a:p>
@@ -1018,7 +1018,7 @@
           <a:p>
             <a:fld id="{E15B7D8E-2A20-4C0E-991C-872DBB7459A8}" type="datetimeFigureOut">
               <a:rPr lang="da-DK" smtClean="0"/>
-              <a:t>20-08-2023</a:t>
+              <a:t>23-08-2024</a:t>
             </a:fld>
             <a:endParaRPr lang="da-DK"/>
           </a:p>
@@ -1247,7 +1247,7 @@
           <a:p>
             <a:fld id="{E15B7D8E-2A20-4C0E-991C-872DBB7459A8}" type="datetimeFigureOut">
               <a:rPr lang="da-DK" smtClean="0"/>
-              <a:t>20-08-2023</a:t>
+              <a:t>23-08-2024</a:t>
             </a:fld>
             <a:endParaRPr lang="da-DK"/>
           </a:p>
@@ -1611,7 +1611,7 @@
           <a:p>
             <a:fld id="{E15B7D8E-2A20-4C0E-991C-872DBB7459A8}" type="datetimeFigureOut">
               <a:rPr lang="da-DK" smtClean="0"/>
-              <a:t>20-08-2023</a:t>
+              <a:t>23-08-2024</a:t>
             </a:fld>
             <a:endParaRPr lang="da-DK"/>
           </a:p>
@@ -1728,7 +1728,7 @@
           <a:p>
             <a:fld id="{E15B7D8E-2A20-4C0E-991C-872DBB7459A8}" type="datetimeFigureOut">
               <a:rPr lang="da-DK" smtClean="0"/>
-              <a:t>20-08-2023</a:t>
+              <a:t>23-08-2024</a:t>
             </a:fld>
             <a:endParaRPr lang="da-DK"/>
           </a:p>
@@ -1823,7 +1823,7 @@
           <a:p>
             <a:fld id="{E15B7D8E-2A20-4C0E-991C-872DBB7459A8}" type="datetimeFigureOut">
               <a:rPr lang="da-DK" smtClean="0"/>
-              <a:t>20-08-2023</a:t>
+              <a:t>23-08-2024</a:t>
             </a:fld>
             <a:endParaRPr lang="da-DK"/>
           </a:p>
@@ -2098,7 +2098,7 @@
           <a:p>
             <a:fld id="{E15B7D8E-2A20-4C0E-991C-872DBB7459A8}" type="datetimeFigureOut">
               <a:rPr lang="da-DK" smtClean="0"/>
-              <a:t>20-08-2023</a:t>
+              <a:t>23-08-2024</a:t>
             </a:fld>
             <a:endParaRPr lang="da-DK"/>
           </a:p>
@@ -2350,7 +2350,7 @@
           <a:p>
             <a:fld id="{E15B7D8E-2A20-4C0E-991C-872DBB7459A8}" type="datetimeFigureOut">
               <a:rPr lang="da-DK" smtClean="0"/>
-              <a:t>20-08-2023</a:t>
+              <a:t>23-08-2024</a:t>
             </a:fld>
             <a:endParaRPr lang="da-DK"/>
           </a:p>
@@ -2561,7 +2561,7 @@
           <a:p>
             <a:fld id="{E15B7D8E-2A20-4C0E-991C-872DBB7459A8}" type="datetimeFigureOut">
               <a:rPr lang="da-DK" smtClean="0"/>
-              <a:t>20-08-2023</a:t>
+              <a:t>23-08-2024</a:t>
             </a:fld>
             <a:endParaRPr lang="da-DK"/>
           </a:p>
@@ -3540,7 +3540,7 @@
         <p:spPr>
           <a:xfrm>
             <a:off x="1558344" y="4720107"/>
-            <a:ext cx="9848081" cy="1015663"/>
+            <a:ext cx="9352625" cy="1015663"/>
           </a:xfrm>
           <a:prstGeom prst="rect">
             <a:avLst/>
@@ -3556,24 +3556,33 @@
             <a:r>
               <a:rPr lang="da-DK" sz="6000" b="1" dirty="0">
                 <a:solidFill>
-                  <a:srgbClr val="FF0000"/>
-                </a:solidFill>
+                  <a:schemeClr val="accent6">
+                    <a:lumMod val="75000"/>
+                  </a:schemeClr>
+                </a:solidFill>
+                <a:latin typeface="+mj-lt"/>
               </a:rPr>
               <a:t>Object-</a:t>
             </a:r>
             <a:r>
               <a:rPr lang="da-DK" sz="6000" b="1" dirty="0" err="1">
                 <a:solidFill>
-                  <a:srgbClr val="FF0000"/>
-                </a:solidFill>
+                  <a:schemeClr val="accent6">
+                    <a:lumMod val="75000"/>
+                  </a:schemeClr>
+                </a:solidFill>
+                <a:latin typeface="+mj-lt"/>
               </a:rPr>
               <a:t>Oriented</a:t>
             </a:r>
             <a:r>
               <a:rPr lang="da-DK" sz="6000" b="1" dirty="0">
                 <a:solidFill>
-                  <a:srgbClr val="FF0000"/>
-                </a:solidFill>
+                  <a:schemeClr val="accent6">
+                    <a:lumMod val="75000"/>
+                  </a:schemeClr>
+                </a:solidFill>
+                <a:latin typeface="+mj-lt"/>
               </a:rPr>
               <a:t> Programming</a:t>
             </a:r>
@@ -6203,11 +6212,18 @@
           <a:p>
             <a:pPr algn="ctr" eaLnBrk="1" hangingPunct="1"/>
             <a:r>
+              <a:rPr lang="da-DK" altLang="da-DK">
+                <a:latin typeface="Calibri" panose="020F0502020204030204" pitchFamily="34" charset="0"/>
+                <a:cs typeface="Calibri" panose="020F0502020204030204" pitchFamily="34" charset="0"/>
+              </a:rPr>
+              <a:t>(e.g. C</a:t>
+            </a:r>
+            <a:r>
               <a:rPr lang="da-DK" altLang="da-DK" dirty="0">
                 <a:latin typeface="Calibri" panose="020F0502020204030204" pitchFamily="34" charset="0"/>
                 <a:cs typeface="Calibri" panose="020F0502020204030204" pitchFamily="34" charset="0"/>
               </a:rPr>
-              <a:t>(C#)</a:t>
+              <a:t>#)</a:t>
             </a:r>
           </a:p>
         </p:txBody>
@@ -7914,11 +7930,18 @@
           <a:p>
             <a:pPr algn="ctr" eaLnBrk="1" hangingPunct="1"/>
             <a:r>
+              <a:rPr lang="da-DK" altLang="da-DK" sz="3200">
+                <a:latin typeface="Calibri" panose="020F0502020204030204" pitchFamily="34" charset="0"/>
+                <a:cs typeface="Calibri" panose="020F0502020204030204" pitchFamily="34" charset="0"/>
+              </a:rPr>
+              <a:t>(e.g. C</a:t>
+            </a:r>
+            <a:r>
               <a:rPr lang="da-DK" altLang="da-DK" sz="3200" dirty="0">
                 <a:latin typeface="Calibri" panose="020F0502020204030204" pitchFamily="34" charset="0"/>
                 <a:cs typeface="Calibri" panose="020F0502020204030204" pitchFamily="34" charset="0"/>
               </a:rPr>
-              <a:t>(C#)</a:t>
+              <a:t>#)</a:t>
             </a:r>
           </a:p>
         </p:txBody>
